--- a/tutorials/pipelines/tut_a_fun_bud/vector files/fig10_big.pptx
+++ b/tutorials/pipelines/tut_a_fun_bud/vector files/fig10_big.pptx
@@ -2975,10 +2975,10 @@
       </p:grpSpPr>
       <p:grpSp>
         <p:nvGrpSpPr>
-          <p:cNvPr id="33" name="Group 32">
+          <p:cNvPr id="13" name="Group 12">
             <a:extLst>
               <a:ext uri="{FF2B5EF4-FFF2-40B4-BE49-F238E27FC236}">
-                <a16:creationId xmlns:a16="http://schemas.microsoft.com/office/drawing/2014/main" id="{BB767F4C-C82A-0EE3-65CD-A0B71E92810E}"/>
+                <a16:creationId xmlns:a16="http://schemas.microsoft.com/office/drawing/2014/main" id="{DDBA8A12-08AB-5A05-2020-00B15ED94E6D}"/>
               </a:ext>
             </a:extLst>
           </p:cNvPr>
@@ -2987,18 +2987,18 @@
         </p:nvGrpSpPr>
         <p:grpSpPr>
           <a:xfrm>
-            <a:off x="0" y="-7277"/>
-            <a:ext cx="8778875" cy="5673090"/>
-            <a:chOff x="-65590" y="-9088"/>
-            <a:chExt cx="8862393" cy="5724923"/>
+            <a:off x="-1" y="0"/>
+            <a:ext cx="8778875" cy="5694680"/>
+            <a:chOff x="38670" y="0"/>
+            <a:chExt cx="8603012" cy="5486400"/>
           </a:xfrm>
         </p:grpSpPr>
         <p:pic>
           <p:nvPicPr>
-            <p:cNvPr id="14" name="Picture 13">
+            <p:cNvPr id="10" name="Picture 9">
               <a:extLst>
                 <a:ext uri="{FF2B5EF4-FFF2-40B4-BE49-F238E27FC236}">
-                  <a16:creationId xmlns:a16="http://schemas.microsoft.com/office/drawing/2014/main" id="{3F4D99CB-0AEE-6578-9A5D-3F3D9B2866A3}"/>
+                  <a16:creationId xmlns:a16="http://schemas.microsoft.com/office/drawing/2014/main" id="{0264CE36-5BA5-E767-E54F-2F6408945875}"/>
                 </a:ext>
               </a:extLst>
             </p:cNvPr>
@@ -3015,8 +3015,8 @@
           </p:blipFill>
           <p:spPr>
             <a:xfrm>
-              <a:off x="6582354" y="-5917"/>
-              <a:ext cx="2214449" cy="5721752"/>
+              <a:off x="6476706" y="0"/>
+              <a:ext cx="2164976" cy="5486400"/>
             </a:xfrm>
             <a:prstGeom prst="rect">
               <a:avLst/>
@@ -3025,10 +3025,10 @@
         </p:pic>
         <p:pic>
           <p:nvPicPr>
-            <p:cNvPr id="12" name="Picture 11">
+            <p:cNvPr id="7" name="Picture 6">
               <a:extLst>
                 <a:ext uri="{FF2B5EF4-FFF2-40B4-BE49-F238E27FC236}">
-                  <a16:creationId xmlns:a16="http://schemas.microsoft.com/office/drawing/2014/main" id="{599474ED-9F73-94B7-1FB4-22B18EBD2A7C}"/>
+                  <a16:creationId xmlns:a16="http://schemas.microsoft.com/office/drawing/2014/main" id="{36908B4A-6E45-CC03-B779-4EF91EDAC593}"/>
                 </a:ext>
               </a:extLst>
             </p:cNvPr>
@@ -3045,8 +3045,8 @@
           </p:blipFill>
           <p:spPr>
             <a:xfrm>
-              <a:off x="4379608" y="-5917"/>
-              <a:ext cx="2214449" cy="5721752"/>
+              <a:off x="4324179" y="0"/>
+              <a:ext cx="2173045" cy="5486400"/>
             </a:xfrm>
             <a:prstGeom prst="rect">
               <a:avLst/>
@@ -3055,10 +3055,10 @@
         </p:pic>
         <p:pic>
           <p:nvPicPr>
-            <p:cNvPr id="8" name="Picture 7">
+            <p:cNvPr id="5" name="Picture 4">
               <a:extLst>
                 <a:ext uri="{FF2B5EF4-FFF2-40B4-BE49-F238E27FC236}">
-                  <a16:creationId xmlns:a16="http://schemas.microsoft.com/office/drawing/2014/main" id="{A6E86192-E468-DC39-AA1F-9858E3446BFF}"/>
+                  <a16:creationId xmlns:a16="http://schemas.microsoft.com/office/drawing/2014/main" id="{9A3DC468-B757-7929-34B0-70F3142FF414}"/>
                 </a:ext>
               </a:extLst>
             </p:cNvPr>
@@ -3075,8 +3075,8 @@
           </p:blipFill>
           <p:spPr>
             <a:xfrm>
-              <a:off x="2174697" y="-5917"/>
-              <a:ext cx="2219929" cy="5721752"/>
+              <a:off x="2183227" y="0"/>
+              <a:ext cx="2173045" cy="5486400"/>
             </a:xfrm>
             <a:prstGeom prst="rect">
               <a:avLst/>
@@ -3085,10 +3085,10 @@
         </p:pic>
         <p:pic>
           <p:nvPicPr>
-            <p:cNvPr id="32" name="Picture 31">
+            <p:cNvPr id="3" name="Picture 2">
               <a:extLst>
                 <a:ext uri="{FF2B5EF4-FFF2-40B4-BE49-F238E27FC236}">
-                  <a16:creationId xmlns:a16="http://schemas.microsoft.com/office/drawing/2014/main" id="{7BC0763A-9EDD-6DDD-6F7A-936B38876097}"/>
+                  <a16:creationId xmlns:a16="http://schemas.microsoft.com/office/drawing/2014/main" id="{DD97BE14-4372-0875-335F-BB305BC901CF}"/>
                 </a:ext>
               </a:extLst>
             </p:cNvPr>
@@ -3105,8 +3105,8 @@
           </p:blipFill>
           <p:spPr>
             <a:xfrm>
-              <a:off x="-65590" y="-9088"/>
-              <a:ext cx="2265990" cy="5721065"/>
+              <a:off x="38670" y="0"/>
+              <a:ext cx="2173045" cy="5486400"/>
             </a:xfrm>
             <a:prstGeom prst="rect">
               <a:avLst/>
@@ -3262,7 +3262,7 @@
         </p:nvSpPr>
         <p:spPr>
           <a:xfrm>
-            <a:off x="2265680" y="2040254"/>
+            <a:off x="2242820" y="2055494"/>
             <a:ext cx="2042160" cy="334646"/>
           </a:xfrm>
           <a:prstGeom prst="rect">
@@ -3449,7 +3449,7 @@
         </p:nvSpPr>
         <p:spPr>
           <a:xfrm>
-            <a:off x="1841218" y="3723323"/>
+            <a:off x="1820263" y="3742373"/>
             <a:ext cx="232414" cy="228600"/>
           </a:xfrm>
           <a:prstGeom prst="rect">
@@ -3569,7 +3569,7 @@
         </p:nvSpPr>
         <p:spPr>
           <a:xfrm>
-            <a:off x="2265680" y="2406807"/>
+            <a:off x="2239010" y="2429667"/>
             <a:ext cx="2042160" cy="334646"/>
           </a:xfrm>
           <a:prstGeom prst="rect">

--- a/tutorials/pipelines/tut_a_fun_bud/vector files/fig10_big.pptx
+++ b/tutorials/pipelines/tut_a_fun_bud/vector files/fig10_big.pptx
@@ -243,7 +243,7 @@
           <a:p>
             <a:fld id="{CA1BB51F-BFC6-4DD3-8C2A-5B21FD6F69C3}" type="datetimeFigureOut">
               <a:rPr lang="en-SE" smtClean="0"/>
-              <a:t>10/01/2023</a:t>
+              <a:t>2023-10-05</a:t>
             </a:fld>
             <a:endParaRPr lang="en-SE"/>
           </a:p>
@@ -413,7 +413,7 @@
           <a:p>
             <a:fld id="{CA1BB51F-BFC6-4DD3-8C2A-5B21FD6F69C3}" type="datetimeFigureOut">
               <a:rPr lang="en-SE" smtClean="0"/>
-              <a:t>10/01/2023</a:t>
+              <a:t>2023-10-05</a:t>
             </a:fld>
             <a:endParaRPr lang="en-SE"/>
           </a:p>
@@ -593,7 +593,7 @@
           <a:p>
             <a:fld id="{CA1BB51F-BFC6-4DD3-8C2A-5B21FD6F69C3}" type="datetimeFigureOut">
               <a:rPr lang="en-SE" smtClean="0"/>
-              <a:t>10/01/2023</a:t>
+              <a:t>2023-10-05</a:t>
             </a:fld>
             <a:endParaRPr lang="en-SE"/>
           </a:p>
@@ -763,7 +763,7 @@
           <a:p>
             <a:fld id="{CA1BB51F-BFC6-4DD3-8C2A-5B21FD6F69C3}" type="datetimeFigureOut">
               <a:rPr lang="en-SE" smtClean="0"/>
-              <a:t>10/01/2023</a:t>
+              <a:t>2023-10-05</a:t>
             </a:fld>
             <a:endParaRPr lang="en-SE"/>
           </a:p>
@@ -1009,7 +1009,7 @@
           <a:p>
             <a:fld id="{CA1BB51F-BFC6-4DD3-8C2A-5B21FD6F69C3}" type="datetimeFigureOut">
               <a:rPr lang="en-SE" smtClean="0"/>
-              <a:t>10/01/2023</a:t>
+              <a:t>2023-10-05</a:t>
             </a:fld>
             <a:endParaRPr lang="en-SE"/>
           </a:p>
@@ -1241,7 +1241,7 @@
           <a:p>
             <a:fld id="{CA1BB51F-BFC6-4DD3-8C2A-5B21FD6F69C3}" type="datetimeFigureOut">
               <a:rPr lang="en-SE" smtClean="0"/>
-              <a:t>10/01/2023</a:t>
+              <a:t>2023-10-05</a:t>
             </a:fld>
             <a:endParaRPr lang="en-SE"/>
           </a:p>
@@ -1608,7 +1608,7 @@
           <a:p>
             <a:fld id="{CA1BB51F-BFC6-4DD3-8C2A-5B21FD6F69C3}" type="datetimeFigureOut">
               <a:rPr lang="en-SE" smtClean="0"/>
-              <a:t>10/01/2023</a:t>
+              <a:t>2023-10-05</a:t>
             </a:fld>
             <a:endParaRPr lang="en-SE"/>
           </a:p>
@@ -1726,7 +1726,7 @@
           <a:p>
             <a:fld id="{CA1BB51F-BFC6-4DD3-8C2A-5B21FD6F69C3}" type="datetimeFigureOut">
               <a:rPr lang="en-SE" smtClean="0"/>
-              <a:t>10/01/2023</a:t>
+              <a:t>2023-10-05</a:t>
             </a:fld>
             <a:endParaRPr lang="en-SE"/>
           </a:p>
@@ -1821,7 +1821,7 @@
           <a:p>
             <a:fld id="{CA1BB51F-BFC6-4DD3-8C2A-5B21FD6F69C3}" type="datetimeFigureOut">
               <a:rPr lang="en-SE" smtClean="0"/>
-              <a:t>10/01/2023</a:t>
+              <a:t>2023-10-05</a:t>
             </a:fld>
             <a:endParaRPr lang="en-SE"/>
           </a:p>
@@ -2098,7 +2098,7 @@
           <a:p>
             <a:fld id="{CA1BB51F-BFC6-4DD3-8C2A-5B21FD6F69C3}" type="datetimeFigureOut">
               <a:rPr lang="en-SE" smtClean="0"/>
-              <a:t>10/01/2023</a:t>
+              <a:t>2023-10-05</a:t>
             </a:fld>
             <a:endParaRPr lang="en-SE"/>
           </a:p>
@@ -2355,7 +2355,7 @@
           <a:p>
             <a:fld id="{CA1BB51F-BFC6-4DD3-8C2A-5B21FD6F69C3}" type="datetimeFigureOut">
               <a:rPr lang="en-SE" smtClean="0"/>
-              <a:t>10/01/2023</a:t>
+              <a:t>2023-10-05</a:t>
             </a:fld>
             <a:endParaRPr lang="en-SE"/>
           </a:p>
@@ -2568,7 +2568,7 @@
           <a:p>
             <a:fld id="{CA1BB51F-BFC6-4DD3-8C2A-5B21FD6F69C3}" type="datetimeFigureOut">
               <a:rPr lang="en-SE" smtClean="0"/>
-              <a:t>10/01/2023</a:t>
+              <a:t>2023-10-05</a:t>
             </a:fld>
             <a:endParaRPr lang="en-SE"/>
           </a:p>
@@ -2975,10 +2975,10 @@
       </p:grpSpPr>
       <p:grpSp>
         <p:nvGrpSpPr>
-          <p:cNvPr id="13" name="Group 12">
+          <p:cNvPr id="4" name="Group 3">
             <a:extLst>
               <a:ext uri="{FF2B5EF4-FFF2-40B4-BE49-F238E27FC236}">
-                <a16:creationId xmlns:a16="http://schemas.microsoft.com/office/drawing/2014/main" id="{DDBA8A12-08AB-5A05-2020-00B15ED94E6D}"/>
+                <a16:creationId xmlns:a16="http://schemas.microsoft.com/office/drawing/2014/main" id="{000C79D1-66CA-F96C-AA11-82DA0D290E41}"/>
               </a:ext>
             </a:extLst>
           </p:cNvPr>
@@ -2989,106 +2989,127 @@
           <a:xfrm>
             <a:off x="-1" y="0"/>
             <a:ext cx="8778875" cy="5694680"/>
-            <a:chOff x="38670" y="0"/>
-            <a:chExt cx="8603012" cy="5486400"/>
+            <a:chOff x="-1" y="0"/>
+            <a:chExt cx="8778875" cy="5694680"/>
           </a:xfrm>
         </p:grpSpPr>
-        <p:pic>
-          <p:nvPicPr>
-            <p:cNvPr id="10" name="Picture 9">
+        <p:grpSp>
+          <p:nvGrpSpPr>
+            <p:cNvPr id="13" name="Group 12">
               <a:extLst>
                 <a:ext uri="{FF2B5EF4-FFF2-40B4-BE49-F238E27FC236}">
-                  <a16:creationId xmlns:a16="http://schemas.microsoft.com/office/drawing/2014/main" id="{0264CE36-5BA5-E767-E54F-2F6408945875}"/>
+                  <a16:creationId xmlns:a16="http://schemas.microsoft.com/office/drawing/2014/main" id="{DDBA8A12-08AB-5A05-2020-00B15ED94E6D}"/>
                 </a:ext>
               </a:extLst>
             </p:cNvPr>
-            <p:cNvPicPr>
-              <a:picLocks noChangeAspect="1"/>
-            </p:cNvPicPr>
+            <p:cNvGrpSpPr/>
             <p:nvPr/>
-          </p:nvPicPr>
-          <p:blipFill>
-            <a:blip r:embed="rId2"/>
-            <a:stretch>
-              <a:fillRect/>
-            </a:stretch>
-          </p:blipFill>
-          <p:spPr>
+          </p:nvGrpSpPr>
+          <p:grpSpPr>
             <a:xfrm>
-              <a:off x="6476706" y="0"/>
-              <a:ext cx="2164976" cy="5486400"/>
+              <a:off x="-1" y="0"/>
+              <a:ext cx="8778875" cy="5694680"/>
+              <a:chOff x="38670" y="0"/>
+              <a:chExt cx="8603012" cy="5486400"/>
             </a:xfrm>
-            <a:prstGeom prst="rect">
-              <a:avLst/>
-            </a:prstGeom>
-          </p:spPr>
-        </p:pic>
+          </p:grpSpPr>
+          <p:pic>
+            <p:nvPicPr>
+              <p:cNvPr id="10" name="Picture 9">
+                <a:extLst>
+                  <a:ext uri="{FF2B5EF4-FFF2-40B4-BE49-F238E27FC236}">
+                    <a16:creationId xmlns:a16="http://schemas.microsoft.com/office/drawing/2014/main" id="{0264CE36-5BA5-E767-E54F-2F6408945875}"/>
+                  </a:ext>
+                </a:extLst>
+              </p:cNvPr>
+              <p:cNvPicPr>
+                <a:picLocks noChangeAspect="1"/>
+              </p:cNvPicPr>
+              <p:nvPr/>
+            </p:nvPicPr>
+            <p:blipFill>
+              <a:blip r:embed="rId2"/>
+              <a:stretch>
+                <a:fillRect/>
+              </a:stretch>
+            </p:blipFill>
+            <p:spPr>
+              <a:xfrm>
+                <a:off x="6476706" y="0"/>
+                <a:ext cx="2164976" cy="5486400"/>
+              </a:xfrm>
+              <a:prstGeom prst="rect">
+                <a:avLst/>
+              </a:prstGeom>
+            </p:spPr>
+          </p:pic>
+          <p:pic>
+            <p:nvPicPr>
+              <p:cNvPr id="5" name="Picture 4">
+                <a:extLst>
+                  <a:ext uri="{FF2B5EF4-FFF2-40B4-BE49-F238E27FC236}">
+                    <a16:creationId xmlns:a16="http://schemas.microsoft.com/office/drawing/2014/main" id="{9A3DC468-B757-7929-34B0-70F3142FF414}"/>
+                  </a:ext>
+                </a:extLst>
+              </p:cNvPr>
+              <p:cNvPicPr>
+                <a:picLocks noChangeAspect="1"/>
+              </p:cNvPicPr>
+              <p:nvPr/>
+            </p:nvPicPr>
+            <p:blipFill>
+              <a:blip r:embed="rId3"/>
+              <a:stretch>
+                <a:fillRect/>
+              </a:stretch>
+            </p:blipFill>
+            <p:spPr>
+              <a:xfrm>
+                <a:off x="2183227" y="0"/>
+                <a:ext cx="2173045" cy="5486400"/>
+              </a:xfrm>
+              <a:prstGeom prst="rect">
+                <a:avLst/>
+              </a:prstGeom>
+            </p:spPr>
+          </p:pic>
+          <p:pic>
+            <p:nvPicPr>
+              <p:cNvPr id="3" name="Picture 2">
+                <a:extLst>
+                  <a:ext uri="{FF2B5EF4-FFF2-40B4-BE49-F238E27FC236}">
+                    <a16:creationId xmlns:a16="http://schemas.microsoft.com/office/drawing/2014/main" id="{DD97BE14-4372-0875-335F-BB305BC901CF}"/>
+                  </a:ext>
+                </a:extLst>
+              </p:cNvPr>
+              <p:cNvPicPr>
+                <a:picLocks noChangeAspect="1"/>
+              </p:cNvPicPr>
+              <p:nvPr/>
+            </p:nvPicPr>
+            <p:blipFill>
+              <a:blip r:embed="rId4"/>
+              <a:stretch>
+                <a:fillRect/>
+              </a:stretch>
+            </p:blipFill>
+            <p:spPr>
+              <a:xfrm>
+                <a:off x="38670" y="0"/>
+                <a:ext cx="2173045" cy="5486400"/>
+              </a:xfrm>
+              <a:prstGeom prst="rect">
+                <a:avLst/>
+              </a:prstGeom>
+            </p:spPr>
+          </p:pic>
+        </p:grpSp>
         <p:pic>
           <p:nvPicPr>
-            <p:cNvPr id="7" name="Picture 6">
+            <p:cNvPr id="2" name="Picture 1">
               <a:extLst>
                 <a:ext uri="{FF2B5EF4-FFF2-40B4-BE49-F238E27FC236}">
-                  <a16:creationId xmlns:a16="http://schemas.microsoft.com/office/drawing/2014/main" id="{36908B4A-6E45-CC03-B779-4EF91EDAC593}"/>
-                </a:ext>
-              </a:extLst>
-            </p:cNvPr>
-            <p:cNvPicPr>
-              <a:picLocks noChangeAspect="1"/>
-            </p:cNvPicPr>
-            <p:nvPr/>
-          </p:nvPicPr>
-          <p:blipFill>
-            <a:blip r:embed="rId3"/>
-            <a:stretch>
-              <a:fillRect/>
-            </a:stretch>
-          </p:blipFill>
-          <p:spPr>
-            <a:xfrm>
-              <a:off x="4324179" y="0"/>
-              <a:ext cx="2173045" cy="5486400"/>
-            </a:xfrm>
-            <a:prstGeom prst="rect">
-              <a:avLst/>
-            </a:prstGeom>
-          </p:spPr>
-        </p:pic>
-        <p:pic>
-          <p:nvPicPr>
-            <p:cNvPr id="5" name="Picture 4">
-              <a:extLst>
-                <a:ext uri="{FF2B5EF4-FFF2-40B4-BE49-F238E27FC236}">
-                  <a16:creationId xmlns:a16="http://schemas.microsoft.com/office/drawing/2014/main" id="{9A3DC468-B757-7929-34B0-70F3142FF414}"/>
-                </a:ext>
-              </a:extLst>
-            </p:cNvPr>
-            <p:cNvPicPr>
-              <a:picLocks noChangeAspect="1"/>
-            </p:cNvPicPr>
-            <p:nvPr/>
-          </p:nvPicPr>
-          <p:blipFill>
-            <a:blip r:embed="rId4"/>
-            <a:stretch>
-              <a:fillRect/>
-            </a:stretch>
-          </p:blipFill>
-          <p:spPr>
-            <a:xfrm>
-              <a:off x="2183227" y="0"/>
-              <a:ext cx="2173045" cy="5486400"/>
-            </a:xfrm>
-            <a:prstGeom prst="rect">
-              <a:avLst/>
-            </a:prstGeom>
-          </p:spPr>
-        </p:pic>
-        <p:pic>
-          <p:nvPicPr>
-            <p:cNvPr id="3" name="Picture 2">
-              <a:extLst>
-                <a:ext uri="{FF2B5EF4-FFF2-40B4-BE49-F238E27FC236}">
-                  <a16:creationId xmlns:a16="http://schemas.microsoft.com/office/drawing/2014/main" id="{DD97BE14-4372-0875-335F-BB305BC901CF}"/>
+                  <a16:creationId xmlns:a16="http://schemas.microsoft.com/office/drawing/2014/main" id="{52C96E9B-1F32-319B-A46B-E4832061B450}"/>
                 </a:ext>
               </a:extLst>
             </p:cNvPr>
@@ -3105,8 +3126,8 @@
           </p:blipFill>
           <p:spPr>
             <a:xfrm>
-              <a:off x="38670" y="0"/>
-              <a:ext cx="2173045" cy="5486400"/>
+              <a:off x="4383250" y="0"/>
+              <a:ext cx="2208861" cy="5611554"/>
             </a:xfrm>
             <a:prstGeom prst="rect">
               <a:avLst/>
@@ -3263,7 +3284,7 @@
         <p:spPr>
           <a:xfrm>
             <a:off x="2242820" y="2055494"/>
-            <a:ext cx="2042160" cy="334646"/>
+            <a:ext cx="2042160" cy="687706"/>
           </a:xfrm>
           <a:prstGeom prst="rect">
             <a:avLst/>
@@ -3317,7 +3338,7 @@
         </p:nvSpPr>
         <p:spPr>
           <a:xfrm>
-            <a:off x="7951592" y="948178"/>
+            <a:off x="8121332" y="867846"/>
             <a:ext cx="508512" cy="508512"/>
           </a:xfrm>
           <a:prstGeom prst="ellipse">
@@ -3360,73 +3381,6 @@
                 <a:cs typeface="Arial" panose="020B0604020202020204" pitchFamily="34" charset="0"/>
               </a:rPr>
               <a:t>c</a:t>
-            </a:r>
-            <a:endParaRPr lang="en-SE" sz="2400" dirty="0">
-              <a:latin typeface="Arial" panose="020B0604020202020204" pitchFamily="34" charset="0"/>
-              <a:cs typeface="Arial" panose="020B0604020202020204" pitchFamily="34" charset="0"/>
-            </a:endParaRPr>
-          </a:p>
-        </p:txBody>
-      </p:sp>
-      <p:sp>
-        <p:nvSpPr>
-          <p:cNvPr id="27" name="Oval 26">
-            <a:extLst>
-              <a:ext uri="{FF2B5EF4-FFF2-40B4-BE49-F238E27FC236}">
-                <a16:creationId xmlns:a16="http://schemas.microsoft.com/office/drawing/2014/main" id="{67F5E700-088C-8464-EA50-BDB1F406C6FB}"/>
-              </a:ext>
-            </a:extLst>
-          </p:cNvPr>
-          <p:cNvSpPr>
-            <a:spLocks noChangeAspect="1"/>
-          </p:cNvSpPr>
-          <p:nvPr/>
-        </p:nvSpPr>
-        <p:spPr>
-          <a:xfrm>
-            <a:off x="3640539" y="2707321"/>
-            <a:ext cx="508512" cy="508512"/>
-          </a:xfrm>
-          <a:prstGeom prst="ellipse">
-            <a:avLst/>
-          </a:prstGeom>
-          <a:solidFill>
-            <a:schemeClr val="accent2">
-              <a:lumMod val="60000"/>
-              <a:lumOff val="40000"/>
-            </a:schemeClr>
-          </a:solidFill>
-          <a:ln>
-            <a:noFill/>
-          </a:ln>
-        </p:spPr>
-        <p:style>
-          <a:lnRef idx="2">
-            <a:schemeClr val="accent1">
-              <a:shade val="15000"/>
-            </a:schemeClr>
-          </a:lnRef>
-          <a:fillRef idx="1">
-            <a:schemeClr val="accent1"/>
-          </a:fillRef>
-          <a:effectRef idx="0">
-            <a:schemeClr val="accent1"/>
-          </a:effectRef>
-          <a:fontRef idx="minor">
-            <a:schemeClr val="lt1"/>
-          </a:fontRef>
-        </p:style>
-        <p:txBody>
-          <a:bodyPr tIns="72000" bIns="108000" rtlCol="0" anchor="ctr"/>
-          <a:lstStyle/>
-          <a:p>
-            <a:pPr algn="ctr"/>
-            <a:r>
-              <a:rPr lang="en-GB" sz="2400" dirty="0">
-                <a:latin typeface="Arial" panose="020B0604020202020204" pitchFamily="34" charset="0"/>
-                <a:cs typeface="Arial" panose="020B0604020202020204" pitchFamily="34" charset="0"/>
-              </a:rPr>
-              <a:t>d</a:t>
             </a:r>
             <a:endParaRPr lang="en-SE" sz="2400" dirty="0">
               <a:latin typeface="Arial" panose="020B0604020202020204" pitchFamily="34" charset="0"/>
@@ -3490,34 +3444,30 @@
       </p:sp>
       <p:sp>
         <p:nvSpPr>
-          <p:cNvPr id="29" name="Oval 28">
+          <p:cNvPr id="6" name="Rectangle 5">
             <a:extLst>
               <a:ext uri="{FF2B5EF4-FFF2-40B4-BE49-F238E27FC236}">
-                <a16:creationId xmlns:a16="http://schemas.microsoft.com/office/drawing/2014/main" id="{9DA4F89B-3253-46FA-70D8-C4132D63AC28}"/>
+                <a16:creationId xmlns:a16="http://schemas.microsoft.com/office/drawing/2014/main" id="{41974EE6-71A9-A33D-13A9-0831EA55DC39}"/>
               </a:ext>
             </a:extLst>
           </p:cNvPr>
-          <p:cNvSpPr>
-            <a:spLocks noChangeAspect="1"/>
-          </p:cNvSpPr>
+          <p:cNvSpPr/>
           <p:nvPr/>
         </p:nvSpPr>
         <p:spPr>
           <a:xfrm>
-            <a:off x="1710663" y="3993454"/>
-            <a:ext cx="508512" cy="508512"/>
+            <a:off x="6590480" y="1308625"/>
+            <a:ext cx="2042160" cy="343853"/>
           </a:xfrm>
-          <a:prstGeom prst="ellipse">
+          <a:prstGeom prst="rect">
             <a:avLst/>
           </a:prstGeom>
-          <a:solidFill>
-            <a:schemeClr val="accent2">
-              <a:lumMod val="60000"/>
-              <a:lumOff val="40000"/>
-            </a:schemeClr>
-          </a:solidFill>
-          <a:ln>
-            <a:noFill/>
+          <a:noFill/>
+          <a:ln w="28575">
+            <a:solidFill>
+              <a:srgbClr val="F4B183"/>
+            </a:solidFill>
+            <a:prstDash val="sysDot"/>
           </a:ln>
         </p:spPr>
         <p:style>
@@ -3537,30 +3487,20 @@
           </a:fontRef>
         </p:style>
         <p:txBody>
-          <a:bodyPr tIns="72000" bIns="108000" rtlCol="0" anchor="ctr"/>
+          <a:bodyPr rtlCol="0" anchor="ctr"/>
           <a:lstStyle/>
           <a:p>
             <a:pPr algn="ctr"/>
-            <a:r>
-              <a:rPr lang="en-GB" sz="2400" dirty="0">
-                <a:latin typeface="Arial" panose="020B0604020202020204" pitchFamily="34" charset="0"/>
-                <a:cs typeface="Arial" panose="020B0604020202020204" pitchFamily="34" charset="0"/>
-              </a:rPr>
-              <a:t>e</a:t>
-            </a:r>
-            <a:endParaRPr lang="en-SE" sz="2400" dirty="0">
-              <a:latin typeface="Arial" panose="020B0604020202020204" pitchFamily="34" charset="0"/>
-              <a:cs typeface="Arial" panose="020B0604020202020204" pitchFamily="34" charset="0"/>
-            </a:endParaRPr>
-          </a:p>
-        </p:txBody>
-      </p:sp>
-      <p:sp>
-        <p:nvSpPr>
-          <p:cNvPr id="35" name="Rectangle 34">
+            <a:endParaRPr lang="en-SE"/>
+          </a:p>
+        </p:txBody>
+      </p:sp>
+      <p:sp>
+        <p:nvSpPr>
+          <p:cNvPr id="8" name="Rectangle 7">
             <a:extLst>
               <a:ext uri="{FF2B5EF4-FFF2-40B4-BE49-F238E27FC236}">
-                <a16:creationId xmlns:a16="http://schemas.microsoft.com/office/drawing/2014/main" id="{379EB9A9-0628-9B19-37CD-4851BA8EA084}"/>
+                <a16:creationId xmlns:a16="http://schemas.microsoft.com/office/drawing/2014/main" id="{41BBDFAB-36D6-0B24-6E3E-020BE5FC8992}"/>
               </a:ext>
             </a:extLst>
           </p:cNvPr>
@@ -3569,8 +3509,8 @@
         </p:nvSpPr>
         <p:spPr>
           <a:xfrm>
-            <a:off x="2239010" y="2429667"/>
-            <a:ext cx="2042160" cy="334646"/>
+            <a:off x="101600" y="3742373"/>
+            <a:ext cx="1718663" cy="228600"/>
           </a:xfrm>
           <a:prstGeom prst="rect">
             <a:avLst/>

--- a/tutorials/pipelines/tut_a_fun_bud/vector files/fig10_big.pptx
+++ b/tutorials/pipelines/tut_a_fun_bud/vector files/fig10_big.pptx
@@ -243,7 +243,7 @@
           <a:p>
             <a:fld id="{CA1BB51F-BFC6-4DD3-8C2A-5B21FD6F69C3}" type="datetimeFigureOut">
               <a:rPr lang="en-SE" smtClean="0"/>
-              <a:t>2023-10-05</a:t>
+              <a:t>10/01/2023</a:t>
             </a:fld>
             <a:endParaRPr lang="en-SE"/>
           </a:p>
@@ -413,7 +413,7 @@
           <a:p>
             <a:fld id="{CA1BB51F-BFC6-4DD3-8C2A-5B21FD6F69C3}" type="datetimeFigureOut">
               <a:rPr lang="en-SE" smtClean="0"/>
-              <a:t>2023-10-05</a:t>
+              <a:t>10/01/2023</a:t>
             </a:fld>
             <a:endParaRPr lang="en-SE"/>
           </a:p>
@@ -593,7 +593,7 @@
           <a:p>
             <a:fld id="{CA1BB51F-BFC6-4DD3-8C2A-5B21FD6F69C3}" type="datetimeFigureOut">
               <a:rPr lang="en-SE" smtClean="0"/>
-              <a:t>2023-10-05</a:t>
+              <a:t>10/01/2023</a:t>
             </a:fld>
             <a:endParaRPr lang="en-SE"/>
           </a:p>
@@ -763,7 +763,7 @@
           <a:p>
             <a:fld id="{CA1BB51F-BFC6-4DD3-8C2A-5B21FD6F69C3}" type="datetimeFigureOut">
               <a:rPr lang="en-SE" smtClean="0"/>
-              <a:t>2023-10-05</a:t>
+              <a:t>10/01/2023</a:t>
             </a:fld>
             <a:endParaRPr lang="en-SE"/>
           </a:p>
@@ -1009,7 +1009,7 @@
           <a:p>
             <a:fld id="{CA1BB51F-BFC6-4DD3-8C2A-5B21FD6F69C3}" type="datetimeFigureOut">
               <a:rPr lang="en-SE" smtClean="0"/>
-              <a:t>2023-10-05</a:t>
+              <a:t>10/01/2023</a:t>
             </a:fld>
             <a:endParaRPr lang="en-SE"/>
           </a:p>
@@ -1241,7 +1241,7 @@
           <a:p>
             <a:fld id="{CA1BB51F-BFC6-4DD3-8C2A-5B21FD6F69C3}" type="datetimeFigureOut">
               <a:rPr lang="en-SE" smtClean="0"/>
-              <a:t>2023-10-05</a:t>
+              <a:t>10/01/2023</a:t>
             </a:fld>
             <a:endParaRPr lang="en-SE"/>
           </a:p>
@@ -1608,7 +1608,7 @@
           <a:p>
             <a:fld id="{CA1BB51F-BFC6-4DD3-8C2A-5B21FD6F69C3}" type="datetimeFigureOut">
               <a:rPr lang="en-SE" smtClean="0"/>
-              <a:t>2023-10-05</a:t>
+              <a:t>10/01/2023</a:t>
             </a:fld>
             <a:endParaRPr lang="en-SE"/>
           </a:p>
@@ -1726,7 +1726,7 @@
           <a:p>
             <a:fld id="{CA1BB51F-BFC6-4DD3-8C2A-5B21FD6F69C3}" type="datetimeFigureOut">
               <a:rPr lang="en-SE" smtClean="0"/>
-              <a:t>2023-10-05</a:t>
+              <a:t>10/01/2023</a:t>
             </a:fld>
             <a:endParaRPr lang="en-SE"/>
           </a:p>
@@ -1821,7 +1821,7 @@
           <a:p>
             <a:fld id="{CA1BB51F-BFC6-4DD3-8C2A-5B21FD6F69C3}" type="datetimeFigureOut">
               <a:rPr lang="en-SE" smtClean="0"/>
-              <a:t>2023-10-05</a:t>
+              <a:t>10/01/2023</a:t>
             </a:fld>
             <a:endParaRPr lang="en-SE"/>
           </a:p>
@@ -2098,7 +2098,7 @@
           <a:p>
             <a:fld id="{CA1BB51F-BFC6-4DD3-8C2A-5B21FD6F69C3}" type="datetimeFigureOut">
               <a:rPr lang="en-SE" smtClean="0"/>
-              <a:t>2023-10-05</a:t>
+              <a:t>10/01/2023</a:t>
             </a:fld>
             <a:endParaRPr lang="en-SE"/>
           </a:p>
@@ -2355,7 +2355,7 @@
           <a:p>
             <a:fld id="{CA1BB51F-BFC6-4DD3-8C2A-5B21FD6F69C3}" type="datetimeFigureOut">
               <a:rPr lang="en-SE" smtClean="0"/>
-              <a:t>2023-10-05</a:t>
+              <a:t>10/01/2023</a:t>
             </a:fld>
             <a:endParaRPr lang="en-SE"/>
           </a:p>
@@ -2568,7 +2568,7 @@
           <a:p>
             <a:fld id="{CA1BB51F-BFC6-4DD3-8C2A-5B21FD6F69C3}" type="datetimeFigureOut">
               <a:rPr lang="en-SE" smtClean="0"/>
-              <a:t>2023-10-05</a:t>
+              <a:t>10/01/2023</a:t>
             </a:fld>
             <a:endParaRPr lang="en-SE"/>
           </a:p>
@@ -2975,10 +2975,10 @@
       </p:grpSpPr>
       <p:grpSp>
         <p:nvGrpSpPr>
-          <p:cNvPr id="4" name="Group 3">
+          <p:cNvPr id="13" name="Group 12">
             <a:extLst>
               <a:ext uri="{FF2B5EF4-FFF2-40B4-BE49-F238E27FC236}">
-                <a16:creationId xmlns:a16="http://schemas.microsoft.com/office/drawing/2014/main" id="{000C79D1-66CA-F96C-AA11-82DA0D290E41}"/>
+                <a16:creationId xmlns:a16="http://schemas.microsoft.com/office/drawing/2014/main" id="{DDBA8A12-08AB-5A05-2020-00B15ED94E6D}"/>
               </a:ext>
             </a:extLst>
           </p:cNvPr>
@@ -2989,127 +2989,106 @@
           <a:xfrm>
             <a:off x="-1" y="0"/>
             <a:ext cx="8778875" cy="5694680"/>
-            <a:chOff x="-1" y="0"/>
-            <a:chExt cx="8778875" cy="5694680"/>
+            <a:chOff x="38670" y="0"/>
+            <a:chExt cx="8603012" cy="5486400"/>
           </a:xfrm>
         </p:grpSpPr>
-        <p:grpSp>
-          <p:nvGrpSpPr>
-            <p:cNvPr id="13" name="Group 12">
+        <p:pic>
+          <p:nvPicPr>
+            <p:cNvPr id="10" name="Picture 9">
               <a:extLst>
                 <a:ext uri="{FF2B5EF4-FFF2-40B4-BE49-F238E27FC236}">
-                  <a16:creationId xmlns:a16="http://schemas.microsoft.com/office/drawing/2014/main" id="{DDBA8A12-08AB-5A05-2020-00B15ED94E6D}"/>
+                  <a16:creationId xmlns:a16="http://schemas.microsoft.com/office/drawing/2014/main" id="{0264CE36-5BA5-E767-E54F-2F6408945875}"/>
                 </a:ext>
               </a:extLst>
             </p:cNvPr>
-            <p:cNvGrpSpPr/>
+            <p:cNvPicPr>
+              <a:picLocks noChangeAspect="1"/>
+            </p:cNvPicPr>
             <p:nvPr/>
-          </p:nvGrpSpPr>
-          <p:grpSpPr>
+          </p:nvPicPr>
+          <p:blipFill>
+            <a:blip r:embed="rId2"/>
+            <a:stretch>
+              <a:fillRect/>
+            </a:stretch>
+          </p:blipFill>
+          <p:spPr>
             <a:xfrm>
-              <a:off x="-1" y="0"/>
-              <a:ext cx="8778875" cy="5694680"/>
-              <a:chOff x="38670" y="0"/>
-              <a:chExt cx="8603012" cy="5486400"/>
+              <a:off x="6476706" y="0"/>
+              <a:ext cx="2164976" cy="5486400"/>
             </a:xfrm>
-          </p:grpSpPr>
-          <p:pic>
-            <p:nvPicPr>
-              <p:cNvPr id="10" name="Picture 9">
-                <a:extLst>
-                  <a:ext uri="{FF2B5EF4-FFF2-40B4-BE49-F238E27FC236}">
-                    <a16:creationId xmlns:a16="http://schemas.microsoft.com/office/drawing/2014/main" id="{0264CE36-5BA5-E767-E54F-2F6408945875}"/>
-                  </a:ext>
-                </a:extLst>
-              </p:cNvPr>
-              <p:cNvPicPr>
-                <a:picLocks noChangeAspect="1"/>
-              </p:cNvPicPr>
-              <p:nvPr/>
-            </p:nvPicPr>
-            <p:blipFill>
-              <a:blip r:embed="rId2"/>
-              <a:stretch>
-                <a:fillRect/>
-              </a:stretch>
-            </p:blipFill>
-            <p:spPr>
-              <a:xfrm>
-                <a:off x="6476706" y="0"/>
-                <a:ext cx="2164976" cy="5486400"/>
-              </a:xfrm>
-              <a:prstGeom prst="rect">
-                <a:avLst/>
-              </a:prstGeom>
-            </p:spPr>
-          </p:pic>
-          <p:pic>
-            <p:nvPicPr>
-              <p:cNvPr id="5" name="Picture 4">
-                <a:extLst>
-                  <a:ext uri="{FF2B5EF4-FFF2-40B4-BE49-F238E27FC236}">
-                    <a16:creationId xmlns:a16="http://schemas.microsoft.com/office/drawing/2014/main" id="{9A3DC468-B757-7929-34B0-70F3142FF414}"/>
-                  </a:ext>
-                </a:extLst>
-              </p:cNvPr>
-              <p:cNvPicPr>
-                <a:picLocks noChangeAspect="1"/>
-              </p:cNvPicPr>
-              <p:nvPr/>
-            </p:nvPicPr>
-            <p:blipFill>
-              <a:blip r:embed="rId3"/>
-              <a:stretch>
-                <a:fillRect/>
-              </a:stretch>
-            </p:blipFill>
-            <p:spPr>
-              <a:xfrm>
-                <a:off x="2183227" y="0"/>
-                <a:ext cx="2173045" cy="5486400"/>
-              </a:xfrm>
-              <a:prstGeom prst="rect">
-                <a:avLst/>
-              </a:prstGeom>
-            </p:spPr>
-          </p:pic>
-          <p:pic>
-            <p:nvPicPr>
-              <p:cNvPr id="3" name="Picture 2">
-                <a:extLst>
-                  <a:ext uri="{FF2B5EF4-FFF2-40B4-BE49-F238E27FC236}">
-                    <a16:creationId xmlns:a16="http://schemas.microsoft.com/office/drawing/2014/main" id="{DD97BE14-4372-0875-335F-BB305BC901CF}"/>
-                  </a:ext>
-                </a:extLst>
-              </p:cNvPr>
-              <p:cNvPicPr>
-                <a:picLocks noChangeAspect="1"/>
-              </p:cNvPicPr>
-              <p:nvPr/>
-            </p:nvPicPr>
-            <p:blipFill>
-              <a:blip r:embed="rId4"/>
-              <a:stretch>
-                <a:fillRect/>
-              </a:stretch>
-            </p:blipFill>
-            <p:spPr>
-              <a:xfrm>
-                <a:off x="38670" y="0"/>
-                <a:ext cx="2173045" cy="5486400"/>
-              </a:xfrm>
-              <a:prstGeom prst="rect">
-                <a:avLst/>
-              </a:prstGeom>
-            </p:spPr>
-          </p:pic>
-        </p:grpSp>
+            <a:prstGeom prst="rect">
+              <a:avLst/>
+            </a:prstGeom>
+          </p:spPr>
+        </p:pic>
         <p:pic>
           <p:nvPicPr>
-            <p:cNvPr id="2" name="Picture 1">
+            <p:cNvPr id="7" name="Picture 6">
               <a:extLst>
                 <a:ext uri="{FF2B5EF4-FFF2-40B4-BE49-F238E27FC236}">
-                  <a16:creationId xmlns:a16="http://schemas.microsoft.com/office/drawing/2014/main" id="{52C96E9B-1F32-319B-A46B-E4832061B450}"/>
+                  <a16:creationId xmlns:a16="http://schemas.microsoft.com/office/drawing/2014/main" id="{36908B4A-6E45-CC03-B779-4EF91EDAC593}"/>
+                </a:ext>
+              </a:extLst>
+            </p:cNvPr>
+            <p:cNvPicPr>
+              <a:picLocks noChangeAspect="1"/>
+            </p:cNvPicPr>
+            <p:nvPr/>
+          </p:nvPicPr>
+          <p:blipFill>
+            <a:blip r:embed="rId3"/>
+            <a:stretch>
+              <a:fillRect/>
+            </a:stretch>
+          </p:blipFill>
+          <p:spPr>
+            <a:xfrm>
+              <a:off x="4324179" y="0"/>
+              <a:ext cx="2173045" cy="5486400"/>
+            </a:xfrm>
+            <a:prstGeom prst="rect">
+              <a:avLst/>
+            </a:prstGeom>
+          </p:spPr>
+        </p:pic>
+        <p:pic>
+          <p:nvPicPr>
+            <p:cNvPr id="5" name="Picture 4">
+              <a:extLst>
+                <a:ext uri="{FF2B5EF4-FFF2-40B4-BE49-F238E27FC236}">
+                  <a16:creationId xmlns:a16="http://schemas.microsoft.com/office/drawing/2014/main" id="{9A3DC468-B757-7929-34B0-70F3142FF414}"/>
+                </a:ext>
+              </a:extLst>
+            </p:cNvPr>
+            <p:cNvPicPr>
+              <a:picLocks noChangeAspect="1"/>
+            </p:cNvPicPr>
+            <p:nvPr/>
+          </p:nvPicPr>
+          <p:blipFill>
+            <a:blip r:embed="rId4"/>
+            <a:stretch>
+              <a:fillRect/>
+            </a:stretch>
+          </p:blipFill>
+          <p:spPr>
+            <a:xfrm>
+              <a:off x="2183227" y="0"/>
+              <a:ext cx="2173045" cy="5486400"/>
+            </a:xfrm>
+            <a:prstGeom prst="rect">
+              <a:avLst/>
+            </a:prstGeom>
+          </p:spPr>
+        </p:pic>
+        <p:pic>
+          <p:nvPicPr>
+            <p:cNvPr id="3" name="Picture 2">
+              <a:extLst>
+                <a:ext uri="{FF2B5EF4-FFF2-40B4-BE49-F238E27FC236}">
+                  <a16:creationId xmlns:a16="http://schemas.microsoft.com/office/drawing/2014/main" id="{DD97BE14-4372-0875-335F-BB305BC901CF}"/>
                 </a:ext>
               </a:extLst>
             </p:cNvPr>
@@ -3126,8 +3105,8 @@
           </p:blipFill>
           <p:spPr>
             <a:xfrm>
-              <a:off x="4383250" y="0"/>
-              <a:ext cx="2208861" cy="5611554"/>
+              <a:off x="38670" y="0"/>
+              <a:ext cx="2173045" cy="5486400"/>
             </a:xfrm>
             <a:prstGeom prst="rect">
               <a:avLst/>
@@ -3284,7 +3263,7 @@
         <p:spPr>
           <a:xfrm>
             <a:off x="2242820" y="2055494"/>
-            <a:ext cx="2042160" cy="687706"/>
+            <a:ext cx="2042160" cy="334646"/>
           </a:xfrm>
           <a:prstGeom prst="rect">
             <a:avLst/>
@@ -3338,7 +3317,7 @@
         </p:nvSpPr>
         <p:spPr>
           <a:xfrm>
-            <a:off x="8121332" y="867846"/>
+            <a:off x="7951592" y="948178"/>
             <a:ext cx="508512" cy="508512"/>
           </a:xfrm>
           <a:prstGeom prst="ellipse">
@@ -3381,6 +3360,73 @@
                 <a:cs typeface="Arial" panose="020B0604020202020204" pitchFamily="34" charset="0"/>
               </a:rPr>
               <a:t>c</a:t>
+            </a:r>
+            <a:endParaRPr lang="en-SE" sz="2400" dirty="0">
+              <a:latin typeface="Arial" panose="020B0604020202020204" pitchFamily="34" charset="0"/>
+              <a:cs typeface="Arial" panose="020B0604020202020204" pitchFamily="34" charset="0"/>
+            </a:endParaRPr>
+          </a:p>
+        </p:txBody>
+      </p:sp>
+      <p:sp>
+        <p:nvSpPr>
+          <p:cNvPr id="27" name="Oval 26">
+            <a:extLst>
+              <a:ext uri="{FF2B5EF4-FFF2-40B4-BE49-F238E27FC236}">
+                <a16:creationId xmlns:a16="http://schemas.microsoft.com/office/drawing/2014/main" id="{67F5E700-088C-8464-EA50-BDB1F406C6FB}"/>
+              </a:ext>
+            </a:extLst>
+          </p:cNvPr>
+          <p:cNvSpPr>
+            <a:spLocks noChangeAspect="1"/>
+          </p:cNvSpPr>
+          <p:nvPr/>
+        </p:nvSpPr>
+        <p:spPr>
+          <a:xfrm>
+            <a:off x="3640539" y="2707321"/>
+            <a:ext cx="508512" cy="508512"/>
+          </a:xfrm>
+          <a:prstGeom prst="ellipse">
+            <a:avLst/>
+          </a:prstGeom>
+          <a:solidFill>
+            <a:schemeClr val="accent2">
+              <a:lumMod val="60000"/>
+              <a:lumOff val="40000"/>
+            </a:schemeClr>
+          </a:solidFill>
+          <a:ln>
+            <a:noFill/>
+          </a:ln>
+        </p:spPr>
+        <p:style>
+          <a:lnRef idx="2">
+            <a:schemeClr val="accent1">
+              <a:shade val="15000"/>
+            </a:schemeClr>
+          </a:lnRef>
+          <a:fillRef idx="1">
+            <a:schemeClr val="accent1"/>
+          </a:fillRef>
+          <a:effectRef idx="0">
+            <a:schemeClr val="accent1"/>
+          </a:effectRef>
+          <a:fontRef idx="minor">
+            <a:schemeClr val="lt1"/>
+          </a:fontRef>
+        </p:style>
+        <p:txBody>
+          <a:bodyPr tIns="72000" bIns="108000" rtlCol="0" anchor="ctr"/>
+          <a:lstStyle/>
+          <a:p>
+            <a:pPr algn="ctr"/>
+            <a:r>
+              <a:rPr lang="en-GB" sz="2400" dirty="0">
+                <a:latin typeface="Arial" panose="020B0604020202020204" pitchFamily="34" charset="0"/>
+                <a:cs typeface="Arial" panose="020B0604020202020204" pitchFamily="34" charset="0"/>
+              </a:rPr>
+              <a:t>d</a:t>
             </a:r>
             <a:endParaRPr lang="en-SE" sz="2400" dirty="0">
               <a:latin typeface="Arial" panose="020B0604020202020204" pitchFamily="34" charset="0"/>
@@ -3444,30 +3490,34 @@
       </p:sp>
       <p:sp>
         <p:nvSpPr>
-          <p:cNvPr id="6" name="Rectangle 5">
+          <p:cNvPr id="29" name="Oval 28">
             <a:extLst>
               <a:ext uri="{FF2B5EF4-FFF2-40B4-BE49-F238E27FC236}">
-                <a16:creationId xmlns:a16="http://schemas.microsoft.com/office/drawing/2014/main" id="{41974EE6-71A9-A33D-13A9-0831EA55DC39}"/>
+                <a16:creationId xmlns:a16="http://schemas.microsoft.com/office/drawing/2014/main" id="{9DA4F89B-3253-46FA-70D8-C4132D63AC28}"/>
               </a:ext>
             </a:extLst>
           </p:cNvPr>
-          <p:cNvSpPr/>
+          <p:cNvSpPr>
+            <a:spLocks noChangeAspect="1"/>
+          </p:cNvSpPr>
           <p:nvPr/>
         </p:nvSpPr>
         <p:spPr>
           <a:xfrm>
-            <a:off x="6590480" y="1308625"/>
-            <a:ext cx="2042160" cy="343853"/>
+            <a:off x="1710663" y="3993454"/>
+            <a:ext cx="508512" cy="508512"/>
           </a:xfrm>
-          <a:prstGeom prst="rect">
+          <a:prstGeom prst="ellipse">
             <a:avLst/>
           </a:prstGeom>
-          <a:noFill/>
-          <a:ln w="28575">
-            <a:solidFill>
-              <a:srgbClr val="F4B183"/>
-            </a:solidFill>
-            <a:prstDash val="sysDot"/>
+          <a:solidFill>
+            <a:schemeClr val="accent2">
+              <a:lumMod val="60000"/>
+              <a:lumOff val="40000"/>
+            </a:schemeClr>
+          </a:solidFill>
+          <a:ln>
+            <a:noFill/>
           </a:ln>
         </p:spPr>
         <p:style>
@@ -3487,20 +3537,30 @@
           </a:fontRef>
         </p:style>
         <p:txBody>
-          <a:bodyPr rtlCol="0" anchor="ctr"/>
+          <a:bodyPr tIns="72000" bIns="108000" rtlCol="0" anchor="ctr"/>
           <a:lstStyle/>
           <a:p>
             <a:pPr algn="ctr"/>
-            <a:endParaRPr lang="en-SE"/>
-          </a:p>
-        </p:txBody>
-      </p:sp>
-      <p:sp>
-        <p:nvSpPr>
-          <p:cNvPr id="8" name="Rectangle 7">
+            <a:r>
+              <a:rPr lang="en-GB" sz="2400" dirty="0">
+                <a:latin typeface="Arial" panose="020B0604020202020204" pitchFamily="34" charset="0"/>
+                <a:cs typeface="Arial" panose="020B0604020202020204" pitchFamily="34" charset="0"/>
+              </a:rPr>
+              <a:t>e</a:t>
+            </a:r>
+            <a:endParaRPr lang="en-SE" sz="2400" dirty="0">
+              <a:latin typeface="Arial" panose="020B0604020202020204" pitchFamily="34" charset="0"/>
+              <a:cs typeface="Arial" panose="020B0604020202020204" pitchFamily="34" charset="0"/>
+            </a:endParaRPr>
+          </a:p>
+        </p:txBody>
+      </p:sp>
+      <p:sp>
+        <p:nvSpPr>
+          <p:cNvPr id="35" name="Rectangle 34">
             <a:extLst>
               <a:ext uri="{FF2B5EF4-FFF2-40B4-BE49-F238E27FC236}">
-                <a16:creationId xmlns:a16="http://schemas.microsoft.com/office/drawing/2014/main" id="{41BBDFAB-36D6-0B24-6E3E-020BE5FC8992}"/>
+                <a16:creationId xmlns:a16="http://schemas.microsoft.com/office/drawing/2014/main" id="{379EB9A9-0628-9B19-37CD-4851BA8EA084}"/>
               </a:ext>
             </a:extLst>
           </p:cNvPr>
@@ -3509,8 +3569,8 @@
         </p:nvSpPr>
         <p:spPr>
           <a:xfrm>
-            <a:off x="101600" y="3742373"/>
-            <a:ext cx="1718663" cy="228600"/>
+            <a:off x="2239010" y="2429667"/>
+            <a:ext cx="2042160" cy="334646"/>
           </a:xfrm>
           <a:prstGeom prst="rect">
             <a:avLst/>
